--- a/main_figures/Figures_Overview.pptx
+++ b/main_figures/Figures_Overview.pptx
@@ -844,8 +844,8 @@
         </p:nvSpPr>
         <p:spPr>
           <a:xfrm>
-            <a:off x="2225520" y="685800"/>
-            <a:ext cx="2407500" cy="3429000"/>
+            <a:off x="2225675" y="685800"/>
+            <a:ext cx="2406650" cy="3429000"/>
           </a:xfrm>
           <a:custGeom>
             <a:avLst/>
@@ -6529,15 +6529,15 @@
               <a:buNone/>
             </a:pPr>
             <a:r>
-              <a:rPr lang="en" sz="1100" b="1">
+              <a:rPr lang="en" sz="1100" b="1" dirty="0">
                 <a:solidFill>
-                  <a:srgbClr val="C00000"/>
+                  <a:schemeClr val="tx1"/>
                 </a:solidFill>
               </a:rPr>
               <a:t>Fig. 1. </a:t>
             </a:r>
             <a:r>
-              <a:rPr lang="en" sz="1100" b="1">
+              <a:rPr lang="en" sz="1100" b="1" dirty="0">
                 <a:solidFill>
                   <a:schemeClr val="dk1"/>
                 </a:solidFill>
@@ -6545,7 +6545,7 @@
               <a:t>Overview of the Long-read RNA-seq Genome Annotation Assessment Project (LRGASP).</a:t>
             </a:r>
             <a:r>
-              <a:rPr lang="en" sz="1100">
+              <a:rPr lang="en" sz="1100" dirty="0">
                 <a:solidFill>
                   <a:schemeClr val="dk1"/>
                 </a:solidFill>
@@ -6553,7 +6553,7 @@
               <a:t> </a:t>
             </a:r>
             <a:r>
-              <a:rPr lang="en" sz="1100" b="1">
+              <a:rPr lang="en" sz="1100" b="1" dirty="0">
                 <a:solidFill>
                   <a:schemeClr val="dk1"/>
                 </a:solidFill>
@@ -6561,7 +6561,7 @@
               <a:t>a, </a:t>
             </a:r>
             <a:r>
-              <a:rPr lang="en" sz="1100">
+              <a:rPr lang="en" sz="1100" dirty="0">
                 <a:solidFill>
                   <a:schemeClr val="dk1"/>
                 </a:solidFill>
@@ -6569,7 +6569,7 @@
               <a:t>Data produced for LRGASP consists of multiple species, multiple sample types, multiple library protocols, and multiple sequencing platforms for comparison. </a:t>
             </a:r>
             <a:r>
-              <a:rPr lang="en" sz="1100" b="1">
+              <a:rPr lang="en" sz="1100" b="1" dirty="0">
                 <a:solidFill>
                   <a:schemeClr val="dk1"/>
                 </a:solidFill>
@@ -6577,7 +6577,7 @@
               <a:t>b, </a:t>
             </a:r>
             <a:r>
-              <a:rPr lang="en" sz="1100">
+              <a:rPr lang="en" sz="1100" dirty="0">
                 <a:solidFill>
                   <a:schemeClr val="dk1"/>
                 </a:solidFill>
@@ -6585,7 +6585,7 @@
               <a:t>Distribution of read lengths, identify Q score, and sequencing depth (per biological replicate) for the WTC11 sample. </a:t>
             </a:r>
             <a:r>
-              <a:rPr lang="en" sz="1100" b="1">
+              <a:rPr lang="en" sz="1100" b="1" dirty="0">
                 <a:solidFill>
                   <a:schemeClr val="dk1"/>
                 </a:solidFill>
@@ -6593,7 +6593,7 @@
               <a:t>c</a:t>
             </a:r>
             <a:r>
-              <a:rPr lang="en" sz="1100">
+              <a:rPr lang="en" sz="1100" dirty="0">
                 <a:solidFill>
                   <a:schemeClr val="dk1"/>
                 </a:solidFill>
@@ -6601,7 +6601,7 @@
               <a:t>, LRGASP as an open research community effort for benchmarking and evaluating long-read RNA-seq approaches. </a:t>
             </a:r>
             <a:r>
-              <a:rPr lang="en" sz="1100" b="1">
+              <a:rPr lang="en" sz="1100" b="1" dirty="0">
                 <a:solidFill>
                   <a:schemeClr val="dk1"/>
                 </a:solidFill>
@@ -6609,7 +6609,7 @@
               <a:t>d, </a:t>
             </a:r>
             <a:r>
-              <a:rPr lang="en" sz="1100">
+              <a:rPr lang="en" sz="1100" dirty="0">
                 <a:solidFill>
                   <a:schemeClr val="dk1"/>
                 </a:solidFill>
@@ -6617,7 +6617,7 @@
               <a:t>Number of isoforms reported by each tool on different data types for the human WTC11 sample for Challenge 1. </a:t>
             </a:r>
             <a:r>
-              <a:rPr lang="en" sz="1100" b="1">
+              <a:rPr lang="en" sz="1100" b="1" dirty="0">
                 <a:solidFill>
                   <a:schemeClr val="dk1"/>
                 </a:solidFill>
@@ -6625,7 +6625,7 @@
               <a:t>e</a:t>
             </a:r>
             <a:r>
-              <a:rPr lang="en" sz="1100">
+              <a:rPr lang="en" sz="1100" dirty="0">
                 <a:solidFill>
                   <a:schemeClr val="dk1"/>
                 </a:solidFill>
@@ -6633,7 +6633,7 @@
               <a:t>, Median TPM value reported by each tool on different data types for the human WTC11 sample for Challenge 2. </a:t>
             </a:r>
             <a:r>
-              <a:rPr lang="en" sz="1100" b="1">
+              <a:rPr lang="en" sz="1100" b="1" dirty="0">
                 <a:solidFill>
                   <a:schemeClr val="dk1"/>
                 </a:solidFill>
@@ -6641,7 +6641,7 @@
               <a:t>f, </a:t>
             </a:r>
             <a:r>
-              <a:rPr lang="en" sz="1100">
+              <a:rPr lang="en" sz="1100" dirty="0">
                 <a:solidFill>
                   <a:schemeClr val="dk1"/>
                 </a:solidFill>
@@ -6649,7 +6649,7 @@
               <a:t>Number of isoforms reported by each tool on different data types for the mouse ES data</a:t>
             </a:r>
             <a:r>
-              <a:rPr lang="en" sz="1100" b="1">
+              <a:rPr lang="en" sz="1100" b="1" dirty="0">
                 <a:solidFill>
                   <a:schemeClr val="dk1"/>
                 </a:solidFill>
@@ -6657,7 +6657,7 @@
               <a:t> </a:t>
             </a:r>
             <a:r>
-              <a:rPr lang="en" sz="1100">
+              <a:rPr lang="en" sz="1100" dirty="0">
                 <a:solidFill>
                   <a:schemeClr val="dk1"/>
                 </a:solidFill>
@@ -6665,7 +6665,7 @@
               <a:t>for Challenge 3.</a:t>
             </a:r>
             <a:r>
-              <a:rPr lang="en" sz="1100" b="1">
+              <a:rPr lang="en" sz="1100" b="1" dirty="0">
                 <a:solidFill>
                   <a:schemeClr val="dk1"/>
                 </a:solidFill>
@@ -6673,7 +6673,7 @@
               <a:t> g,</a:t>
             </a:r>
             <a:r>
-              <a:rPr lang="en" sz="1100">
+              <a:rPr lang="en" sz="1100" dirty="0">
                 <a:solidFill>
                   <a:schemeClr val="dk1"/>
                 </a:solidFill>
@@ -6681,7 +6681,7 @@
               <a:t> Pairwise relative overlap of unique junction chains (UJCs) reported by each submission. The UJCs reported by a submission is used as a reference set for each row. The fraction of overlap of UJCs from the column submission is shown as a heatmap. For example, a submission that has a small, subset of many other UJCs from other submissions will have a high fraction shown in the rows, but low fraction by column for that submission. Data only shown for WTC11 submissions. </a:t>
             </a:r>
             <a:r>
-              <a:rPr lang="en" sz="1100" b="1">
+              <a:rPr lang="en" sz="1100" b="1" dirty="0">
                 <a:solidFill>
                   <a:schemeClr val="dk1"/>
                 </a:solidFill>
@@ -6689,7 +6689,7 @@
               <a:t>h,</a:t>
             </a:r>
             <a:r>
-              <a:rPr lang="en" sz="1100">
+              <a:rPr lang="en" sz="1100" dirty="0">
                 <a:solidFill>
                   <a:schemeClr val="dk1"/>
                 </a:solidFill>
@@ -6697,22 +6697,30 @@
               <a:t> Spearman correlation of TPM values between submissions to Challenge 2. </a:t>
             </a:r>
             <a:r>
-              <a:rPr lang="en" sz="1100" b="1">
+              <a:rPr lang="en" sz="1100" b="1" dirty="0" err="1">
                 <a:solidFill>
                   <a:schemeClr val="dk1"/>
                 </a:solidFill>
               </a:rPr>
-              <a:t>i, </a:t>
+              <a:t>i</a:t>
             </a:r>
             <a:r>
-              <a:rPr lang="en" sz="1100">
+              <a:rPr lang="en" sz="1100" b="1" dirty="0">
+                <a:solidFill>
+                  <a:schemeClr val="dk1"/>
+                </a:solidFill>
+              </a:rPr>
+              <a:t>, </a:t>
+            </a:r>
+            <a:r>
+              <a:rPr lang="en" sz="1100" dirty="0">
                 <a:solidFill>
                   <a:schemeClr val="dk1"/>
                 </a:solidFill>
               </a:rPr>
               <a:t>Pairwise relative overlap of UJCs reported by each submission. The UJCs reported by a submission is used as a reference set for each row. The fraction of overlap of UJCs from the column submission is shown as a heatmap. </a:t>
             </a:r>
-            <a:endParaRPr/>
+            <a:endParaRPr dirty="0"/>
           </a:p>
         </p:txBody>
       </p:sp>

--- a/main_figures/Figures_Overview.pptx
+++ b/main_figures/Figures_Overview.pptx
@@ -6318,10 +6318,10 @@
       </p:pic>
       <p:pic>
         <p:nvPicPr>
-          <p:cNvPr id="9" name="Picture 8">
+          <p:cNvPr id="14" name="Picture 13">
             <a:extLst>
               <a:ext uri="{FF2B5EF4-FFF2-40B4-BE49-F238E27FC236}">
-                <a16:creationId xmlns:a16="http://schemas.microsoft.com/office/drawing/2014/main" id="{55A98EFB-9E57-1789-9197-799387596400}"/>
+                <a16:creationId xmlns:a16="http://schemas.microsoft.com/office/drawing/2014/main" id="{EE30969C-0DB6-13A1-B96E-8966415F9E99}"/>
               </a:ext>
             </a:extLst>
           </p:cNvPr>
@@ -6338,37 +6338,7 @@
         </p:blipFill>
         <p:spPr>
           <a:xfrm>
-            <a:off x="2668269" y="3352481"/>
-            <a:ext cx="2052010" cy="2377440"/>
-          </a:xfrm>
-          <a:prstGeom prst="rect">
-            <a:avLst/>
-          </a:prstGeom>
-        </p:spPr>
-      </p:pic>
-      <p:pic>
-        <p:nvPicPr>
-          <p:cNvPr id="14" name="Picture 13">
-            <a:extLst>
-              <a:ext uri="{FF2B5EF4-FFF2-40B4-BE49-F238E27FC236}">
-                <a16:creationId xmlns:a16="http://schemas.microsoft.com/office/drawing/2014/main" id="{EE30969C-0DB6-13A1-B96E-8966415F9E99}"/>
-              </a:ext>
-            </a:extLst>
-          </p:cNvPr>
-          <p:cNvPicPr>
-            <a:picLocks noChangeAspect="1"/>
-          </p:cNvPicPr>
-          <p:nvPr/>
-        </p:nvPicPr>
-        <p:blipFill>
-          <a:blip r:embed="rId9"/>
-          <a:stretch>
-            <a:fillRect/>
-          </a:stretch>
-        </p:blipFill>
-        <p:spPr>
-          <a:xfrm>
-            <a:off x="4977250" y="3327916"/>
+            <a:off x="4977250" y="3248673"/>
             <a:ext cx="2052010" cy="2308511"/>
           </a:xfrm>
           <a:prstGeom prst="rect">
@@ -6391,7 +6361,7 @@
           <p:nvPr/>
         </p:nvPicPr>
         <p:blipFill>
-          <a:blip r:embed="rId10"/>
+          <a:blip r:embed="rId9"/>
           <a:stretch>
             <a:fillRect/>
           </a:stretch>
@@ -6421,7 +6391,7 @@
           <p:nvPr/>
         </p:nvPicPr>
         <p:blipFill>
-          <a:blip r:embed="rId11"/>
+          <a:blip r:embed="rId10"/>
           <a:stretch>
             <a:fillRect/>
           </a:stretch>
@@ -6451,7 +6421,7 @@
           <p:nvPr/>
         </p:nvPicPr>
         <p:blipFill>
-          <a:blip r:embed="rId12"/>
+          <a:blip r:embed="rId11"/>
           <a:stretch>
             <a:fillRect/>
           </a:stretch>
@@ -6460,6 +6430,36 @@
           <a:xfrm>
             <a:off x="913826" y="2199613"/>
             <a:ext cx="2000250" cy="771525"/>
+          </a:xfrm>
+          <a:prstGeom prst="rect">
+            <a:avLst/>
+          </a:prstGeom>
+        </p:spPr>
+      </p:pic>
+      <p:pic>
+        <p:nvPicPr>
+          <p:cNvPr id="12" name="Picture 11">
+            <a:extLst>
+              <a:ext uri="{FF2B5EF4-FFF2-40B4-BE49-F238E27FC236}">
+                <a16:creationId xmlns:a16="http://schemas.microsoft.com/office/drawing/2014/main" id="{F3C3B9AA-60C4-AC5F-BED1-526884444C22}"/>
+              </a:ext>
+            </a:extLst>
+          </p:cNvPr>
+          <p:cNvPicPr>
+            <a:picLocks noChangeAspect="1"/>
+          </p:cNvPicPr>
+          <p:nvPr/>
+        </p:nvPicPr>
+        <p:blipFill>
+          <a:blip r:embed="rId12"/>
+          <a:stretch>
+            <a:fillRect/>
+          </a:stretch>
+        </p:blipFill>
+        <p:spPr>
+          <a:xfrm>
+            <a:off x="2385205" y="3371338"/>
+            <a:ext cx="2515870" cy="2560320"/>
           </a:xfrm>
           <a:prstGeom prst="rect">
             <a:avLst/>
